--- a/Presentation/Progress Presentation Slides.pptx
+++ b/Presentation/Progress Presentation Slides.pptx
@@ -214,7 +214,7 @@
           <a:p>
             <a:fld id="{B648959E-710B-47CB-8CFB-AF63EE2F2DE2}" type="datetimeFigureOut">
               <a:rPr lang="en-CA" smtClean="0"/>
-              <a:t>2020-11-02</a:t>
+              <a:t>2020-11-09</a:t>
             </a:fld>
             <a:endParaRPr lang="en-CA"/>
           </a:p>
@@ -2055,7 +2055,7 @@
           <a:p>
             <a:fld id="{724986DA-20B5-443D-B42F-85C136F75B9C}" type="datetimeFigureOut">
               <a:rPr lang="en-CA" smtClean="0"/>
-              <a:t>2020-11-02</a:t>
+              <a:t>2020-11-09</a:t>
             </a:fld>
             <a:endParaRPr lang="en-CA"/>
           </a:p>
@@ -2255,7 +2255,7 @@
           <a:p>
             <a:fld id="{724986DA-20B5-443D-B42F-85C136F75B9C}" type="datetimeFigureOut">
               <a:rPr lang="en-CA" smtClean="0"/>
-              <a:t>2020-11-02</a:t>
+              <a:t>2020-11-09</a:t>
             </a:fld>
             <a:endParaRPr lang="en-CA"/>
           </a:p>
@@ -2465,7 +2465,7 @@
           <a:p>
             <a:fld id="{724986DA-20B5-443D-B42F-85C136F75B9C}" type="datetimeFigureOut">
               <a:rPr lang="en-CA" smtClean="0"/>
-              <a:t>2020-11-02</a:t>
+              <a:t>2020-11-09</a:t>
             </a:fld>
             <a:endParaRPr lang="en-CA"/>
           </a:p>
@@ -2665,7 +2665,7 @@
           <a:p>
             <a:fld id="{724986DA-20B5-443D-B42F-85C136F75B9C}" type="datetimeFigureOut">
               <a:rPr lang="en-CA" smtClean="0"/>
-              <a:t>2020-11-02</a:t>
+              <a:t>2020-11-09</a:t>
             </a:fld>
             <a:endParaRPr lang="en-CA"/>
           </a:p>
@@ -2941,7 +2941,7 @@
           <a:p>
             <a:fld id="{724986DA-20B5-443D-B42F-85C136F75B9C}" type="datetimeFigureOut">
               <a:rPr lang="en-CA" smtClean="0"/>
-              <a:t>2020-11-02</a:t>
+              <a:t>2020-11-09</a:t>
             </a:fld>
             <a:endParaRPr lang="en-CA"/>
           </a:p>
@@ -3209,7 +3209,7 @@
           <a:p>
             <a:fld id="{724986DA-20B5-443D-B42F-85C136F75B9C}" type="datetimeFigureOut">
               <a:rPr lang="en-CA" smtClean="0"/>
-              <a:t>2020-11-02</a:t>
+              <a:t>2020-11-09</a:t>
             </a:fld>
             <a:endParaRPr lang="en-CA"/>
           </a:p>
@@ -3624,7 +3624,7 @@
           <a:p>
             <a:fld id="{724986DA-20B5-443D-B42F-85C136F75B9C}" type="datetimeFigureOut">
               <a:rPr lang="en-CA" smtClean="0"/>
-              <a:t>2020-11-02</a:t>
+              <a:t>2020-11-09</a:t>
             </a:fld>
             <a:endParaRPr lang="en-CA"/>
           </a:p>
@@ -3766,7 +3766,7 @@
           <a:p>
             <a:fld id="{724986DA-20B5-443D-B42F-85C136F75B9C}" type="datetimeFigureOut">
               <a:rPr lang="en-CA" smtClean="0"/>
-              <a:t>2020-11-02</a:t>
+              <a:t>2020-11-09</a:t>
             </a:fld>
             <a:endParaRPr lang="en-CA"/>
           </a:p>
@@ -3879,7 +3879,7 @@
           <a:p>
             <a:fld id="{724986DA-20B5-443D-B42F-85C136F75B9C}" type="datetimeFigureOut">
               <a:rPr lang="en-CA" smtClean="0"/>
-              <a:t>2020-11-02</a:t>
+              <a:t>2020-11-09</a:t>
             </a:fld>
             <a:endParaRPr lang="en-CA"/>
           </a:p>
@@ -4192,7 +4192,7 @@
           <a:p>
             <a:fld id="{724986DA-20B5-443D-B42F-85C136F75B9C}" type="datetimeFigureOut">
               <a:rPr lang="en-CA" smtClean="0"/>
-              <a:t>2020-11-02</a:t>
+              <a:t>2020-11-09</a:t>
             </a:fld>
             <a:endParaRPr lang="en-CA"/>
           </a:p>
@@ -4481,7 +4481,7 @@
           <a:p>
             <a:fld id="{724986DA-20B5-443D-B42F-85C136F75B9C}" type="datetimeFigureOut">
               <a:rPr lang="en-CA" smtClean="0"/>
-              <a:t>2020-11-02</a:t>
+              <a:t>2020-11-09</a:t>
             </a:fld>
             <a:endParaRPr lang="en-CA"/>
           </a:p>
@@ -4724,7 +4724,7 @@
           <a:p>
             <a:fld id="{724986DA-20B5-443D-B42F-85C136F75B9C}" type="datetimeFigureOut">
               <a:rPr lang="en-CA" smtClean="0"/>
-              <a:t>2020-11-02</a:t>
+              <a:t>2020-11-09</a:t>
             </a:fld>
             <a:endParaRPr lang="en-CA"/>
           </a:p>
@@ -5374,12 +5374,34 @@
         </p:nvSpPr>
         <p:spPr/>
         <p:txBody>
-          <a:bodyPr/>
-          <a:lstStyle/>
-          <a:p>
-            <a:r>
-              <a:rPr lang="en-CA" dirty="0"/>
-              <a:t>To determine the true value of this idea it must be compared to the overlay network it aims to replace – VPNs</a:t>
+          <a:bodyPr>
+            <a:normAutofit fontScale="92500" lnSpcReduction="10000"/>
+          </a:bodyPr>
+          <a:lstStyle/>
+          <a:p>
+            <a:r>
+              <a:rPr lang="en-CA" dirty="0"/>
+              <a:t>To determine the true value of this idea it must be compared to the technique it aims to replace – VPNs</a:t>
+            </a:r>
+          </a:p>
+          <a:p>
+            <a:r>
+              <a:rPr lang="en-CA" dirty="0"/>
+              <a:t>Two systems will be implemented and compared:</a:t>
+            </a:r>
+          </a:p>
+          <a:p>
+            <a:pPr lvl="1"/>
+            <a:r>
+              <a:rPr lang="en-CA" dirty="0"/>
+              <a:t>The proposed system that is security as a service, without changing the service itself</a:t>
+            </a:r>
+          </a:p>
+          <a:p>
+            <a:pPr lvl="1"/>
+            <a:r>
+              <a:rPr lang="en-CA" dirty="0"/>
+              <a:t>A docker VPN container that will act as proxy to other containers (services) needing to access the internet</a:t>
             </a:r>
           </a:p>
           <a:p>
@@ -5512,22 +5534,46 @@
           <a:p>
             <a:r>
               <a:rPr lang="en-CA" dirty="0"/>
-              <a:t>To properly compare both security techniques a method to emulate a VPN is needed</a:t>
-            </a:r>
-          </a:p>
-          <a:p>
-            <a:r>
-              <a:rPr lang="en-CA" dirty="0"/>
-              <a:t>Since this is not the main pursuit of our project we will be using a proven and documented method of deploying a VPN via Docker</a:t>
-            </a:r>
-          </a:p>
-          <a:p>
-            <a:r>
-              <a:rPr lang="en-CA" dirty="0"/>
-              <a:t>This will allow us to replicate the same services as Docker images for both experiments which thus provides valuable comparison of the proposed method versus a method currently used for quick VPN deployment to access services. </a:t>
-            </a:r>
-          </a:p>
-          <a:p>
+              <a:t>To gather metrics a few techniques are used</a:t>
+            </a:r>
+          </a:p>
+          <a:p>
+            <a:pPr lvl="1"/>
+            <a:r>
+              <a:rPr lang="en-CA" dirty="0"/>
+              <a:t>Elasticsearch (Kibana) is used to visualize and log packet data between server and client services</a:t>
+            </a:r>
+          </a:p>
+          <a:p>
+            <a:pPr lvl="1"/>
+            <a:r>
+              <a:rPr lang="en-CA" dirty="0"/>
+              <a:t>Latency will be determined by timestamping packets (time sent and time received)</a:t>
+            </a:r>
+          </a:p>
+          <a:p>
+            <a:pPr lvl="1"/>
+            <a:r>
+              <a:rPr lang="en-CA" dirty="0"/>
+              <a:t>Wireshark is used to capture and inspect packets (encrypted vs unencrypted)</a:t>
+            </a:r>
+          </a:p>
+          <a:p>
+            <a:pPr lvl="1"/>
+            <a:r>
+              <a:rPr lang="en-CA" dirty="0"/>
+              <a:t>Resource utilization information can be returned for each docker container which in a system of containers can be summed to return total utilization</a:t>
+            </a:r>
+          </a:p>
+          <a:p>
+            <a:r>
+              <a:rPr lang="en-CA" dirty="0"/>
+              <a:t>These metrics will be recorded and reported on for both the proposed “security as a service” and container </a:t>
+            </a:r>
+            <a:r>
+              <a:rPr lang="en-CA"/>
+              <a:t>VPN techniques</a:t>
+            </a:r>
             <a:endParaRPr lang="en-CA" dirty="0"/>
           </a:p>
         </p:txBody>

--- a/Presentation/Progress Presentation Slides.pptx
+++ b/Presentation/Progress Presentation Slides.pptx
@@ -5375,13 +5375,13 @@
         <p:spPr/>
         <p:txBody>
           <a:bodyPr>
-            <a:normAutofit fontScale="92500" lnSpcReduction="10000"/>
+            <a:normAutofit fontScale="92500" lnSpcReduction="20000"/>
           </a:bodyPr>
           <a:lstStyle/>
           <a:p>
             <a:r>
               <a:rPr lang="en-CA" dirty="0"/>
-              <a:t>To determine the true value of this idea it must be compared to the technique it aims to replace – VPNs</a:t>
+              <a:t>To determine the true value of this idea it must be compared to the typical technique it aims to replace – VPNs</a:t>
             </a:r>
           </a:p>
           <a:p>
@@ -5394,14 +5394,14 @@
             <a:pPr lvl="1"/>
             <a:r>
               <a:rPr lang="en-CA" dirty="0"/>
-              <a:t>The proposed system that is security as a service, without changing the service itself</a:t>
+              <a:t>The proposed system that is security as a service, without changing the service itself (our proposed idea).</a:t>
             </a:r>
           </a:p>
           <a:p>
             <a:pPr lvl="1"/>
             <a:r>
               <a:rPr lang="en-CA" dirty="0"/>
-              <a:t>A docker VPN container that will act as proxy to other containers (services) needing to access the internet</a:t>
+              <a:t>A docker VPN container that will act as proxy to other containers (services) needing to access the internet (typical implementation)</a:t>
             </a:r>
           </a:p>
           <a:p>
@@ -5568,13 +5568,16 @@
           <a:p>
             <a:r>
               <a:rPr lang="en-CA" dirty="0"/>
-              <a:t>These metrics will be recorded and reported on for both the proposed “security as a service” and container </a:t>
+              <a:t>These metrics will be recorded and reported on for both the proposed “security as a service” </a:t>
             </a:r>
             <a:r>
               <a:rPr lang="en-CA"/>
+              <a:t>and typical container </a:t>
+            </a:r>
+            <a:r>
+              <a:rPr lang="en-CA" dirty="0"/>
               <a:t>VPN techniques</a:t>
             </a:r>
-            <a:endParaRPr lang="en-CA" dirty="0"/>
           </a:p>
         </p:txBody>
       </p:sp>
